--- a/PPT/開會紀錄/20210908開會紀錄.pptx
+++ b/PPT/開會紀錄/20210908開會紀錄.pptx
@@ -244,7 +244,7 @@
           <a:p>
             <a:fld id="{D8A53AB9-7BCA-48C1-8436-988085CD32C2}" type="datetimeFigureOut">
               <a:rPr lang="zh-TW" altLang="en-US" smtClean="0"/>
-              <a:t>2021/9/13</a:t>
+              <a:t>2021/9/15</a:t>
             </a:fld>
             <a:endParaRPr lang="zh-TW" altLang="en-US"/>
           </a:p>
@@ -414,7 +414,7 @@
           <a:p>
             <a:fld id="{D8A53AB9-7BCA-48C1-8436-988085CD32C2}" type="datetimeFigureOut">
               <a:rPr lang="zh-TW" altLang="en-US" smtClean="0"/>
-              <a:t>2021/9/13</a:t>
+              <a:t>2021/9/15</a:t>
             </a:fld>
             <a:endParaRPr lang="zh-TW" altLang="en-US"/>
           </a:p>
@@ -594,7 +594,7 @@
           <a:p>
             <a:fld id="{D8A53AB9-7BCA-48C1-8436-988085CD32C2}" type="datetimeFigureOut">
               <a:rPr lang="zh-TW" altLang="en-US" smtClean="0"/>
-              <a:t>2021/9/13</a:t>
+              <a:t>2021/9/15</a:t>
             </a:fld>
             <a:endParaRPr lang="zh-TW" altLang="en-US"/>
           </a:p>
@@ -764,7 +764,7 @@
           <a:p>
             <a:fld id="{D8A53AB9-7BCA-48C1-8436-988085CD32C2}" type="datetimeFigureOut">
               <a:rPr lang="zh-TW" altLang="en-US" smtClean="0"/>
-              <a:t>2021/9/13</a:t>
+              <a:t>2021/9/15</a:t>
             </a:fld>
             <a:endParaRPr lang="zh-TW" altLang="en-US"/>
           </a:p>
@@ -1010,7 +1010,7 @@
           <a:p>
             <a:fld id="{D8A53AB9-7BCA-48C1-8436-988085CD32C2}" type="datetimeFigureOut">
               <a:rPr lang="zh-TW" altLang="en-US" smtClean="0"/>
-              <a:t>2021/9/13</a:t>
+              <a:t>2021/9/15</a:t>
             </a:fld>
             <a:endParaRPr lang="zh-TW" altLang="en-US"/>
           </a:p>
@@ -1242,7 +1242,7 @@
           <a:p>
             <a:fld id="{D8A53AB9-7BCA-48C1-8436-988085CD32C2}" type="datetimeFigureOut">
               <a:rPr lang="zh-TW" altLang="en-US" smtClean="0"/>
-              <a:t>2021/9/13</a:t>
+              <a:t>2021/9/15</a:t>
             </a:fld>
             <a:endParaRPr lang="zh-TW" altLang="en-US"/>
           </a:p>
@@ -1609,7 +1609,7 @@
           <a:p>
             <a:fld id="{D8A53AB9-7BCA-48C1-8436-988085CD32C2}" type="datetimeFigureOut">
               <a:rPr lang="zh-TW" altLang="en-US" smtClean="0"/>
-              <a:t>2021/9/13</a:t>
+              <a:t>2021/9/15</a:t>
             </a:fld>
             <a:endParaRPr lang="zh-TW" altLang="en-US"/>
           </a:p>
@@ -1727,7 +1727,7 @@
           <a:p>
             <a:fld id="{D8A53AB9-7BCA-48C1-8436-988085CD32C2}" type="datetimeFigureOut">
               <a:rPr lang="zh-TW" altLang="en-US" smtClean="0"/>
-              <a:t>2021/9/13</a:t>
+              <a:t>2021/9/15</a:t>
             </a:fld>
             <a:endParaRPr lang="zh-TW" altLang="en-US"/>
           </a:p>
@@ -1822,7 +1822,7 @@
           <a:p>
             <a:fld id="{D8A53AB9-7BCA-48C1-8436-988085CD32C2}" type="datetimeFigureOut">
               <a:rPr lang="zh-TW" altLang="en-US" smtClean="0"/>
-              <a:t>2021/9/13</a:t>
+              <a:t>2021/9/15</a:t>
             </a:fld>
             <a:endParaRPr lang="zh-TW" altLang="en-US"/>
           </a:p>
@@ -2099,7 +2099,7 @@
           <a:p>
             <a:fld id="{D8A53AB9-7BCA-48C1-8436-988085CD32C2}" type="datetimeFigureOut">
               <a:rPr lang="zh-TW" altLang="en-US" smtClean="0"/>
-              <a:t>2021/9/13</a:t>
+              <a:t>2021/9/15</a:t>
             </a:fld>
             <a:endParaRPr lang="zh-TW" altLang="en-US"/>
           </a:p>
@@ -2352,7 +2352,7 @@
           <a:p>
             <a:fld id="{D8A53AB9-7BCA-48C1-8436-988085CD32C2}" type="datetimeFigureOut">
               <a:rPr lang="zh-TW" altLang="en-US" smtClean="0"/>
-              <a:t>2021/9/13</a:t>
+              <a:t>2021/9/15</a:t>
             </a:fld>
             <a:endParaRPr lang="zh-TW" altLang="en-US"/>
           </a:p>
@@ -2565,7 +2565,7 @@
           <a:p>
             <a:fld id="{D8A53AB9-7BCA-48C1-8436-988085CD32C2}" type="datetimeFigureOut">
               <a:rPr lang="zh-TW" altLang="en-US" smtClean="0"/>
-              <a:t>2021/9/13</a:t>
+              <a:t>2021/9/15</a:t>
             </a:fld>
             <a:endParaRPr lang="zh-TW" altLang="en-US"/>
           </a:p>
@@ -3064,14 +3064,7 @@
                 <a:latin typeface="微軟正黑體" panose="020B0604030504040204" pitchFamily="34" charset="-120"/>
                 <a:ea typeface="微軟正黑體" panose="020B0604030504040204" pitchFamily="34" charset="-120"/>
               </a:rPr>
-              <a:t>互動式</a:t>
-            </a:r>
-            <a:r>
-              <a:rPr lang="zh-TW" altLang="en-US" dirty="0" smtClean="0">
-                <a:latin typeface="微軟正黑體" panose="020B0604030504040204" pitchFamily="34" charset="-120"/>
-                <a:ea typeface="微軟正黑體" panose="020B0604030504040204" pitchFamily="34" charset="-120"/>
-              </a:rPr>
-              <a:t>報表實作</a:t>
+              <a:t>互動式報表實作</a:t>
             </a:r>
             <a:r>
               <a:rPr lang="en-US" altLang="zh-TW" dirty="0" smtClean="0">
@@ -3332,14 +3325,7 @@
                 <a:latin typeface="微軟正黑體" panose="020B0604030504040204" pitchFamily="34" charset="-120"/>
                 <a:ea typeface="微軟正黑體" panose="020B0604030504040204" pitchFamily="34" charset="-120"/>
               </a:rPr>
-              <a:t>開會</a:t>
-            </a:r>
-            <a:r>
-              <a:rPr lang="zh-TW" altLang="en-US" b="1" dirty="0" smtClean="0">
-                <a:latin typeface="微軟正黑體" panose="020B0604030504040204" pitchFamily="34" charset="-120"/>
-                <a:ea typeface="微軟正黑體" panose="020B0604030504040204" pitchFamily="34" charset="-120"/>
-              </a:rPr>
-              <a:t>內容</a:t>
+              <a:t>開會內容</a:t>
             </a:r>
             <a:endParaRPr lang="en-US" altLang="zh-TW" b="1" dirty="0" smtClean="0">
               <a:latin typeface="微軟正黑體" panose="020B0604030504040204" pitchFamily="34" charset="-120"/>
@@ -3351,41 +3337,41 @@
               <a:buAutoNum type="arabicPeriod"/>
             </a:pPr>
             <a:r>
-              <a:rPr lang="zh-TW" altLang="en-US" dirty="0" smtClean="0">
+              <a:rPr lang="zh-TW" altLang="en-US" strike="sngStrike" dirty="0" smtClean="0">
                 <a:latin typeface="微軟正黑體" panose="020B0604030504040204" pitchFamily="34" charset="-120"/>
                 <a:ea typeface="微軟正黑體" panose="020B0604030504040204" pitchFamily="34" charset="-120"/>
               </a:rPr>
               <a:t>互動式報表需做成</a:t>
             </a:r>
             <a:r>
-              <a:rPr lang="en-US" altLang="zh-TW" dirty="0" smtClean="0">
+              <a:rPr lang="en-US" altLang="zh-TW" strike="sngStrike" dirty="0" smtClean="0">
                 <a:latin typeface="微軟正黑體" panose="020B0604030504040204" pitchFamily="34" charset="-120"/>
                 <a:ea typeface="微軟正黑體" panose="020B0604030504040204" pitchFamily="34" charset="-120"/>
               </a:rPr>
               <a:t>API</a:t>
             </a:r>
             <a:r>
-              <a:rPr lang="zh-TW" altLang="en-US" dirty="0" smtClean="0">
+              <a:rPr lang="zh-TW" altLang="en-US" strike="sngStrike" dirty="0" smtClean="0">
                 <a:latin typeface="微軟正黑體" panose="020B0604030504040204" pitchFamily="34" charset="-120"/>
                 <a:ea typeface="微軟正黑體" panose="020B0604030504040204" pitchFamily="34" charset="-120"/>
               </a:rPr>
               <a:t>的方式可以直接在</a:t>
             </a:r>
             <a:r>
-              <a:rPr lang="en-US" altLang="zh-TW" dirty="0" smtClean="0">
+              <a:rPr lang="en-US" altLang="zh-TW" strike="sngStrike" dirty="0" smtClean="0">
                 <a:latin typeface="微軟正黑體" panose="020B0604030504040204" pitchFamily="34" charset="-120"/>
                 <a:ea typeface="微軟正黑體" panose="020B0604030504040204" pitchFamily="34" charset="-120"/>
               </a:rPr>
               <a:t>URL</a:t>
             </a:r>
             <a:r>
-              <a:rPr lang="zh-TW" altLang="en-US" dirty="0" smtClean="0">
+              <a:rPr lang="zh-TW" altLang="en-US" strike="sngStrike" dirty="0" smtClean="0">
                 <a:latin typeface="微軟正黑體" panose="020B0604030504040204" pitchFamily="34" charset="-120"/>
                 <a:ea typeface="微軟正黑體" panose="020B0604030504040204" pitchFamily="34" charset="-120"/>
               </a:rPr>
               <a:t>上直接輸入該股票代號</a:t>
             </a:r>
-            <a:endParaRPr lang="en-US" altLang="zh-TW" dirty="0" smtClean="0">
+            <a:endParaRPr lang="en-US" altLang="zh-TW" strike="sngStrike" dirty="0" smtClean="0">
               <a:latin typeface="微軟正黑體" panose="020B0604030504040204" pitchFamily="34" charset="-120"/>
               <a:ea typeface="微軟正黑體" panose="020B0604030504040204" pitchFamily="34" charset="-120"/>
             </a:endParaRPr>
@@ -3448,6 +3434,13 @@
   <p:clrMapOvr>
     <a:masterClrMapping/>
   </p:clrMapOvr>
+  <p:timing>
+    <p:tnLst>
+      <p:par>
+        <p:cTn id="1" dur="indefinite" restart="never" nodeType="tmRoot"/>
+      </p:par>
+    </p:tnLst>
+  </p:timing>
 </p:sld>
 </file>
 
@@ -3696,9 +3689,16 @@
                 <a:latin typeface="微軟正黑體" panose="020B0604030504040204" pitchFamily="34" charset="-120"/>
                 <a:ea typeface="微軟正黑體" panose="020B0604030504040204" pitchFamily="34" charset="-120"/>
               </a:rPr>
-              <a:t>台泥跟亞泥的股價比較</a:t>
-            </a:r>
-            <a:endParaRPr lang="zh-TW" altLang="en-US" sz="2000" dirty="0">
+              <a:t>台泥跟亞泥的</a:t>
+            </a:r>
+            <a:r>
+              <a:rPr lang="zh-TW" altLang="en-US" sz="2000" strike="sngStrike" dirty="0" smtClean="0">
+                <a:latin typeface="微軟正黑體" panose="020B0604030504040204" pitchFamily="34" charset="-120"/>
+                <a:ea typeface="微軟正黑體" panose="020B0604030504040204" pitchFamily="34" charset="-120"/>
+              </a:rPr>
+              <a:t>股價比較</a:t>
+            </a:r>
+            <a:endParaRPr lang="zh-TW" altLang="en-US" sz="2000" strike="sngStrike" dirty="0">
               <a:latin typeface="微軟正黑體" panose="020B0604030504040204" pitchFamily="34" charset="-120"/>
               <a:ea typeface="微軟正黑體" panose="020B0604030504040204" pitchFamily="34" charset="-120"/>
             </a:endParaRPr>
@@ -3747,11 +3747,18 @@
           <a:p>
             <a:pPr algn="ctr"/>
             <a:r>
+              <a:rPr lang="zh-TW" altLang="en-US" sz="2000" strike="sngStrike" dirty="0" smtClean="0">
+                <a:latin typeface="微軟正黑體" panose="020B0604030504040204" pitchFamily="34" charset="-120"/>
+                <a:ea typeface="微軟正黑體" panose="020B0604030504040204" pitchFamily="34" charset="-120"/>
+              </a:rPr>
+              <a:t>疫苗概念股</a:t>
+            </a:r>
+            <a:r>
               <a:rPr lang="zh-TW" altLang="en-US" sz="2000" dirty="0" smtClean="0">
                 <a:latin typeface="微軟正黑體" panose="020B0604030504040204" pitchFamily="34" charset="-120"/>
                 <a:ea typeface="微軟正黑體" panose="020B0604030504040204" pitchFamily="34" charset="-120"/>
               </a:rPr>
-              <a:t>疫苗概念股是什麼</a:t>
+              <a:t>是什麼</a:t>
             </a:r>
             <a:endParaRPr lang="zh-TW" altLang="en-US" sz="2000" dirty="0">
               <a:latin typeface="微軟正黑體" panose="020B0604030504040204" pitchFamily="34" charset="-120"/>
@@ -4179,6 +4186,13 @@
   <p:clrMapOvr>
     <a:masterClrMapping/>
   </p:clrMapOvr>
+  <p:timing>
+    <p:tnLst>
+      <p:par>
+        <p:cTn id="1" dur="indefinite" restart="never" nodeType="tmRoot"/>
+      </p:par>
+    </p:tnLst>
+  </p:timing>
 </p:sld>
 </file>
 
